--- a/ppt 16-9/1557.主啊！陶造我.pptx
+++ b/ppt 16-9/1557.主啊！陶造我.pptx
@@ -5,7 +5,7 @@
     <p:sldMasterId id="2147483648" r:id="rId1"/>
   </p:sldMasterIdLst>
   <p:sldIdLst>
-    <p:sldId id="3409" r:id="rId2"/>
+    <p:sldId id="3410" r:id="rId2"/>
   </p:sldIdLst>
   <p:sldSz cx="12192000" cy="6858000"/>
   <p:notesSz cx="6858000" cy="9144000"/>
@@ -129,7 +129,7 @@
           <p:cNvPr id="2" name="标题 1">
             <a:extLst>
               <a:ext uri="{FF2B5EF4-FFF2-40B4-BE49-F238E27FC236}">
-                <a16:creationId xmlns:a16="http://schemas.microsoft.com/office/drawing/2014/main" id="{E08C9FED-4DC6-7B51-49C6-B44E3F2F24E8}"/>
+                <a16:creationId xmlns:a16="http://schemas.microsoft.com/office/drawing/2014/main" id="{329FADBC-617F-6F66-3957-010F084638E1}"/>
               </a:ext>
             </a:extLst>
           </p:cNvPr>
@@ -166,7 +166,7 @@
           <p:cNvPr id="3" name="副标题 2">
             <a:extLst>
               <a:ext uri="{FF2B5EF4-FFF2-40B4-BE49-F238E27FC236}">
-                <a16:creationId xmlns:a16="http://schemas.microsoft.com/office/drawing/2014/main" id="{64A55503-21A1-C7F0-1074-F43D2959DD4D}"/>
+                <a16:creationId xmlns:a16="http://schemas.microsoft.com/office/drawing/2014/main" id="{DF0D515C-315C-7B2A-E217-5BA9A694D3C6}"/>
               </a:ext>
             </a:extLst>
           </p:cNvPr>
@@ -236,7 +236,7 @@
           <p:cNvPr id="4" name="日期占位符 3">
             <a:extLst>
               <a:ext uri="{FF2B5EF4-FFF2-40B4-BE49-F238E27FC236}">
-                <a16:creationId xmlns:a16="http://schemas.microsoft.com/office/drawing/2014/main" id="{26D42DB8-CD77-99F7-8CF7-449AC2206A4A}"/>
+                <a16:creationId xmlns:a16="http://schemas.microsoft.com/office/drawing/2014/main" id="{7B8428C4-026F-0BC6-0CE2-F7996BFC88B2}"/>
               </a:ext>
             </a:extLst>
           </p:cNvPr>
@@ -252,7 +252,7 @@
           <a:bodyPr/>
           <a:lstStyle/>
           <a:p>
-            <a:fld id="{1A0FBADB-A0FB-4184-8F66-6A2F836176B1}" type="datetimeFigureOut">
+            <a:fld id="{0EB006C2-F458-40FA-91AA-974952F55387}" type="datetimeFigureOut">
               <a:rPr lang="zh-CN" altLang="en-US" smtClean="0"/>
               <a:t>2024/3/10</a:t>
             </a:fld>
@@ -265,7 +265,7 @@
           <p:cNvPr id="5" name="页脚占位符 4">
             <a:extLst>
               <a:ext uri="{FF2B5EF4-FFF2-40B4-BE49-F238E27FC236}">
-                <a16:creationId xmlns:a16="http://schemas.microsoft.com/office/drawing/2014/main" id="{CE047E0B-D3BF-B110-DE93-E11FCBE8E965}"/>
+                <a16:creationId xmlns:a16="http://schemas.microsoft.com/office/drawing/2014/main" id="{2FFC7E69-8EAB-0DA5-AEA6-C068FB70ED5F}"/>
               </a:ext>
             </a:extLst>
           </p:cNvPr>
@@ -290,7 +290,7 @@
           <p:cNvPr id="6" name="灯片编号占位符 5">
             <a:extLst>
               <a:ext uri="{FF2B5EF4-FFF2-40B4-BE49-F238E27FC236}">
-                <a16:creationId xmlns:a16="http://schemas.microsoft.com/office/drawing/2014/main" id="{109581BF-6A2A-FFF4-FB20-4F2347C1B6A1}"/>
+                <a16:creationId xmlns:a16="http://schemas.microsoft.com/office/drawing/2014/main" id="{CDF742C8-50D8-0D18-E8F4-E6386FD06F5D}"/>
               </a:ext>
             </a:extLst>
           </p:cNvPr>
@@ -306,7 +306,7 @@
           <a:bodyPr/>
           <a:lstStyle/>
           <a:p>
-            <a:fld id="{F48F876D-02E2-47A6-8A17-A9D422AA531A}" type="slidenum">
+            <a:fld id="{4BD46816-70D6-4E60-8C80-F5388CE7705E}" type="slidenum">
               <a:rPr lang="zh-CN" altLang="en-US" smtClean="0"/>
               <a:t>‹#›</a:t>
             </a:fld>
@@ -317,7 +317,7 @@
     </p:spTree>
     <p:extLst>
       <p:ext uri="{BB962C8B-B14F-4D97-AF65-F5344CB8AC3E}">
-        <p14:creationId xmlns:p14="http://schemas.microsoft.com/office/powerpoint/2010/main" val="3796751768"/>
+        <p14:creationId xmlns:p14="http://schemas.microsoft.com/office/powerpoint/2010/main" val="942966232"/>
       </p:ext>
     </p:extLst>
   </p:cSld>
@@ -349,7 +349,7 @@
           <p:cNvPr id="2" name="标题 1">
             <a:extLst>
               <a:ext uri="{FF2B5EF4-FFF2-40B4-BE49-F238E27FC236}">
-                <a16:creationId xmlns:a16="http://schemas.microsoft.com/office/drawing/2014/main" id="{57F855A6-60CF-980D-477F-2113F10CA4B2}"/>
+                <a16:creationId xmlns:a16="http://schemas.microsoft.com/office/drawing/2014/main" id="{FC4BEAF2-5D44-080E-4396-4FC1FB6C59F0}"/>
               </a:ext>
             </a:extLst>
           </p:cNvPr>
@@ -377,7 +377,7 @@
           <p:cNvPr id="3" name="竖排文字占位符 2">
             <a:extLst>
               <a:ext uri="{FF2B5EF4-FFF2-40B4-BE49-F238E27FC236}">
-                <a16:creationId xmlns:a16="http://schemas.microsoft.com/office/drawing/2014/main" id="{EFC69D76-0B59-FD47-BF67-DA227EC2A88D}"/>
+                <a16:creationId xmlns:a16="http://schemas.microsoft.com/office/drawing/2014/main" id="{CFF91461-F44B-3885-23B9-A78B695DB51D}"/>
               </a:ext>
             </a:extLst>
           </p:cNvPr>
@@ -434,7 +434,7 @@
           <p:cNvPr id="4" name="日期占位符 3">
             <a:extLst>
               <a:ext uri="{FF2B5EF4-FFF2-40B4-BE49-F238E27FC236}">
-                <a16:creationId xmlns:a16="http://schemas.microsoft.com/office/drawing/2014/main" id="{B4CDF3A2-B27B-D4D1-D351-819180A21048}"/>
+                <a16:creationId xmlns:a16="http://schemas.microsoft.com/office/drawing/2014/main" id="{A94A804C-656C-7965-B0D6-E79F0D33AC4F}"/>
               </a:ext>
             </a:extLst>
           </p:cNvPr>
@@ -450,7 +450,7 @@
           <a:bodyPr/>
           <a:lstStyle/>
           <a:p>
-            <a:fld id="{1A0FBADB-A0FB-4184-8F66-6A2F836176B1}" type="datetimeFigureOut">
+            <a:fld id="{0EB006C2-F458-40FA-91AA-974952F55387}" type="datetimeFigureOut">
               <a:rPr lang="zh-CN" altLang="en-US" smtClean="0"/>
               <a:t>2024/3/10</a:t>
             </a:fld>
@@ -463,7 +463,7 @@
           <p:cNvPr id="5" name="页脚占位符 4">
             <a:extLst>
               <a:ext uri="{FF2B5EF4-FFF2-40B4-BE49-F238E27FC236}">
-                <a16:creationId xmlns:a16="http://schemas.microsoft.com/office/drawing/2014/main" id="{3702A741-DADF-2F4F-4108-9DA08D1AA5BF}"/>
+                <a16:creationId xmlns:a16="http://schemas.microsoft.com/office/drawing/2014/main" id="{7D86FC25-CDB0-CC23-705C-C24199482A8D}"/>
               </a:ext>
             </a:extLst>
           </p:cNvPr>
@@ -488,7 +488,7 @@
           <p:cNvPr id="6" name="灯片编号占位符 5">
             <a:extLst>
               <a:ext uri="{FF2B5EF4-FFF2-40B4-BE49-F238E27FC236}">
-                <a16:creationId xmlns:a16="http://schemas.microsoft.com/office/drawing/2014/main" id="{5B1C825D-46AA-158F-2EC7-68F758CA1E11}"/>
+                <a16:creationId xmlns:a16="http://schemas.microsoft.com/office/drawing/2014/main" id="{35351DE8-275E-B1B2-1FE6-DA074B2A65F4}"/>
               </a:ext>
             </a:extLst>
           </p:cNvPr>
@@ -504,7 +504,7 @@
           <a:bodyPr/>
           <a:lstStyle/>
           <a:p>
-            <a:fld id="{F48F876D-02E2-47A6-8A17-A9D422AA531A}" type="slidenum">
+            <a:fld id="{4BD46816-70D6-4E60-8C80-F5388CE7705E}" type="slidenum">
               <a:rPr lang="zh-CN" altLang="en-US" smtClean="0"/>
               <a:t>‹#›</a:t>
             </a:fld>
@@ -515,7 +515,7 @@
     </p:spTree>
     <p:extLst>
       <p:ext uri="{BB962C8B-B14F-4D97-AF65-F5344CB8AC3E}">
-        <p14:creationId xmlns:p14="http://schemas.microsoft.com/office/powerpoint/2010/main" val="1590050634"/>
+        <p14:creationId xmlns:p14="http://schemas.microsoft.com/office/powerpoint/2010/main" val="470334928"/>
       </p:ext>
     </p:extLst>
   </p:cSld>
@@ -547,7 +547,7 @@
           <p:cNvPr id="2" name="竖排标题 1">
             <a:extLst>
               <a:ext uri="{FF2B5EF4-FFF2-40B4-BE49-F238E27FC236}">
-                <a16:creationId xmlns:a16="http://schemas.microsoft.com/office/drawing/2014/main" id="{37E055C5-199B-7692-A33F-5A33C3CA4D0B}"/>
+                <a16:creationId xmlns:a16="http://schemas.microsoft.com/office/drawing/2014/main" id="{29C991B5-30BE-F153-61A7-2F597745CB9C}"/>
               </a:ext>
             </a:extLst>
           </p:cNvPr>
@@ -580,7 +580,7 @@
           <p:cNvPr id="3" name="竖排文字占位符 2">
             <a:extLst>
               <a:ext uri="{FF2B5EF4-FFF2-40B4-BE49-F238E27FC236}">
-                <a16:creationId xmlns:a16="http://schemas.microsoft.com/office/drawing/2014/main" id="{EDCA1E51-7476-3394-0F83-110CA3779B4D}"/>
+                <a16:creationId xmlns:a16="http://schemas.microsoft.com/office/drawing/2014/main" id="{0869094C-6B75-681E-7B15-EC69A8890F41}"/>
               </a:ext>
             </a:extLst>
           </p:cNvPr>
@@ -642,7 +642,7 @@
           <p:cNvPr id="4" name="日期占位符 3">
             <a:extLst>
               <a:ext uri="{FF2B5EF4-FFF2-40B4-BE49-F238E27FC236}">
-                <a16:creationId xmlns:a16="http://schemas.microsoft.com/office/drawing/2014/main" id="{FB9BEECF-0B3D-65C2-6476-879CEA1E0BCE}"/>
+                <a16:creationId xmlns:a16="http://schemas.microsoft.com/office/drawing/2014/main" id="{7AA15A38-66BC-0A11-3AC3-FDB1124D5942}"/>
               </a:ext>
             </a:extLst>
           </p:cNvPr>
@@ -658,7 +658,7 @@
           <a:bodyPr/>
           <a:lstStyle/>
           <a:p>
-            <a:fld id="{1A0FBADB-A0FB-4184-8F66-6A2F836176B1}" type="datetimeFigureOut">
+            <a:fld id="{0EB006C2-F458-40FA-91AA-974952F55387}" type="datetimeFigureOut">
               <a:rPr lang="zh-CN" altLang="en-US" smtClean="0"/>
               <a:t>2024/3/10</a:t>
             </a:fld>
@@ -671,7 +671,7 @@
           <p:cNvPr id="5" name="页脚占位符 4">
             <a:extLst>
               <a:ext uri="{FF2B5EF4-FFF2-40B4-BE49-F238E27FC236}">
-                <a16:creationId xmlns:a16="http://schemas.microsoft.com/office/drawing/2014/main" id="{D034D869-DB44-9EC1-F981-68DE2812605D}"/>
+                <a16:creationId xmlns:a16="http://schemas.microsoft.com/office/drawing/2014/main" id="{EEC5672A-6640-31DC-8D81-835A212A3B6B}"/>
               </a:ext>
             </a:extLst>
           </p:cNvPr>
@@ -696,7 +696,7 @@
           <p:cNvPr id="6" name="灯片编号占位符 5">
             <a:extLst>
               <a:ext uri="{FF2B5EF4-FFF2-40B4-BE49-F238E27FC236}">
-                <a16:creationId xmlns:a16="http://schemas.microsoft.com/office/drawing/2014/main" id="{9F5BC208-D2F2-E60C-201A-C5B14444B053}"/>
+                <a16:creationId xmlns:a16="http://schemas.microsoft.com/office/drawing/2014/main" id="{FC3A0780-149B-02C0-9A3C-1B88FC3E9690}"/>
               </a:ext>
             </a:extLst>
           </p:cNvPr>
@@ -712,7 +712,7 @@
           <a:bodyPr/>
           <a:lstStyle/>
           <a:p>
-            <a:fld id="{F48F876D-02E2-47A6-8A17-A9D422AA531A}" type="slidenum">
+            <a:fld id="{4BD46816-70D6-4E60-8C80-F5388CE7705E}" type="slidenum">
               <a:rPr lang="zh-CN" altLang="en-US" smtClean="0"/>
               <a:t>‹#›</a:t>
             </a:fld>
@@ -723,7 +723,7 @@
     </p:spTree>
     <p:extLst>
       <p:ext uri="{BB962C8B-B14F-4D97-AF65-F5344CB8AC3E}">
-        <p14:creationId xmlns:p14="http://schemas.microsoft.com/office/powerpoint/2010/main" val="3105681498"/>
+        <p14:creationId xmlns:p14="http://schemas.microsoft.com/office/powerpoint/2010/main" val="3674811307"/>
       </p:ext>
     </p:extLst>
   </p:cSld>
@@ -755,7 +755,7 @@
           <p:cNvPr id="2" name="标题 1">
             <a:extLst>
               <a:ext uri="{FF2B5EF4-FFF2-40B4-BE49-F238E27FC236}">
-                <a16:creationId xmlns:a16="http://schemas.microsoft.com/office/drawing/2014/main" id="{D60F5D3E-DF7F-2AD8-51C0-4265D0B7E123}"/>
+                <a16:creationId xmlns:a16="http://schemas.microsoft.com/office/drawing/2014/main" id="{B4CD4672-A61D-00C6-8372-08B8F06A016F}"/>
               </a:ext>
             </a:extLst>
           </p:cNvPr>
@@ -783,7 +783,7 @@
           <p:cNvPr id="3" name="内容占位符 2">
             <a:extLst>
               <a:ext uri="{FF2B5EF4-FFF2-40B4-BE49-F238E27FC236}">
-                <a16:creationId xmlns:a16="http://schemas.microsoft.com/office/drawing/2014/main" id="{A530C758-8876-BF79-8E02-2A25A457BFF0}"/>
+                <a16:creationId xmlns:a16="http://schemas.microsoft.com/office/drawing/2014/main" id="{B2AB640F-0097-0B2F-0B7B-065E5DE5890F}"/>
               </a:ext>
             </a:extLst>
           </p:cNvPr>
@@ -840,7 +840,7 @@
           <p:cNvPr id="4" name="日期占位符 3">
             <a:extLst>
               <a:ext uri="{FF2B5EF4-FFF2-40B4-BE49-F238E27FC236}">
-                <a16:creationId xmlns:a16="http://schemas.microsoft.com/office/drawing/2014/main" id="{7562D8EE-FCB5-7E82-A854-40201913D141}"/>
+                <a16:creationId xmlns:a16="http://schemas.microsoft.com/office/drawing/2014/main" id="{D04D6B27-4F04-C08B-0BE7-4AFF9702EEEC}"/>
               </a:ext>
             </a:extLst>
           </p:cNvPr>
@@ -856,7 +856,7 @@
           <a:bodyPr/>
           <a:lstStyle/>
           <a:p>
-            <a:fld id="{1A0FBADB-A0FB-4184-8F66-6A2F836176B1}" type="datetimeFigureOut">
+            <a:fld id="{0EB006C2-F458-40FA-91AA-974952F55387}" type="datetimeFigureOut">
               <a:rPr lang="zh-CN" altLang="en-US" smtClean="0"/>
               <a:t>2024/3/10</a:t>
             </a:fld>
@@ -869,7 +869,7 @@
           <p:cNvPr id="5" name="页脚占位符 4">
             <a:extLst>
               <a:ext uri="{FF2B5EF4-FFF2-40B4-BE49-F238E27FC236}">
-                <a16:creationId xmlns:a16="http://schemas.microsoft.com/office/drawing/2014/main" id="{05AFB0BB-624E-1649-AD90-58AA9D565C4C}"/>
+                <a16:creationId xmlns:a16="http://schemas.microsoft.com/office/drawing/2014/main" id="{256C4709-83C8-AA65-97B2-4B33E922B45A}"/>
               </a:ext>
             </a:extLst>
           </p:cNvPr>
@@ -894,7 +894,7 @@
           <p:cNvPr id="6" name="灯片编号占位符 5">
             <a:extLst>
               <a:ext uri="{FF2B5EF4-FFF2-40B4-BE49-F238E27FC236}">
-                <a16:creationId xmlns:a16="http://schemas.microsoft.com/office/drawing/2014/main" id="{C9F1C6D9-FF47-88AF-D8CF-8D08ACC34FD8}"/>
+                <a16:creationId xmlns:a16="http://schemas.microsoft.com/office/drawing/2014/main" id="{ED65F194-9955-8C28-8B7B-3267064DE89D}"/>
               </a:ext>
             </a:extLst>
           </p:cNvPr>
@@ -910,7 +910,7 @@
           <a:bodyPr/>
           <a:lstStyle/>
           <a:p>
-            <a:fld id="{F48F876D-02E2-47A6-8A17-A9D422AA531A}" type="slidenum">
+            <a:fld id="{4BD46816-70D6-4E60-8C80-F5388CE7705E}" type="slidenum">
               <a:rPr lang="zh-CN" altLang="en-US" smtClean="0"/>
               <a:t>‹#›</a:t>
             </a:fld>
@@ -921,7 +921,7 @@
     </p:spTree>
     <p:extLst>
       <p:ext uri="{BB962C8B-B14F-4D97-AF65-F5344CB8AC3E}">
-        <p14:creationId xmlns:p14="http://schemas.microsoft.com/office/powerpoint/2010/main" val="3766343646"/>
+        <p14:creationId xmlns:p14="http://schemas.microsoft.com/office/powerpoint/2010/main" val="654608946"/>
       </p:ext>
     </p:extLst>
   </p:cSld>
@@ -953,7 +953,7 @@
           <p:cNvPr id="2" name="标题 1">
             <a:extLst>
               <a:ext uri="{FF2B5EF4-FFF2-40B4-BE49-F238E27FC236}">
-                <a16:creationId xmlns:a16="http://schemas.microsoft.com/office/drawing/2014/main" id="{8973993C-D46A-EEF0-8056-75561BACB1C0}"/>
+                <a16:creationId xmlns:a16="http://schemas.microsoft.com/office/drawing/2014/main" id="{E263776F-140C-05AD-802C-FD223892E687}"/>
               </a:ext>
             </a:extLst>
           </p:cNvPr>
@@ -990,7 +990,7 @@
           <p:cNvPr id="3" name="文本占位符 2">
             <a:extLst>
               <a:ext uri="{FF2B5EF4-FFF2-40B4-BE49-F238E27FC236}">
-                <a16:creationId xmlns:a16="http://schemas.microsoft.com/office/drawing/2014/main" id="{A6E40110-CF46-5992-F6D1-C1902E5195E3}"/>
+                <a16:creationId xmlns:a16="http://schemas.microsoft.com/office/drawing/2014/main" id="{91F75348-A593-0BED-D004-8D430CA38DF3}"/>
               </a:ext>
             </a:extLst>
           </p:cNvPr>
@@ -1115,7 +1115,7 @@
           <p:cNvPr id="4" name="日期占位符 3">
             <a:extLst>
               <a:ext uri="{FF2B5EF4-FFF2-40B4-BE49-F238E27FC236}">
-                <a16:creationId xmlns:a16="http://schemas.microsoft.com/office/drawing/2014/main" id="{F0526B8E-19D2-5926-A546-FAF13EECC172}"/>
+                <a16:creationId xmlns:a16="http://schemas.microsoft.com/office/drawing/2014/main" id="{09C713EB-3C1D-189D-63DA-DDC1A5CA862C}"/>
               </a:ext>
             </a:extLst>
           </p:cNvPr>
@@ -1131,7 +1131,7 @@
           <a:bodyPr/>
           <a:lstStyle/>
           <a:p>
-            <a:fld id="{1A0FBADB-A0FB-4184-8F66-6A2F836176B1}" type="datetimeFigureOut">
+            <a:fld id="{0EB006C2-F458-40FA-91AA-974952F55387}" type="datetimeFigureOut">
               <a:rPr lang="zh-CN" altLang="en-US" smtClean="0"/>
               <a:t>2024/3/10</a:t>
             </a:fld>
@@ -1144,7 +1144,7 @@
           <p:cNvPr id="5" name="页脚占位符 4">
             <a:extLst>
               <a:ext uri="{FF2B5EF4-FFF2-40B4-BE49-F238E27FC236}">
-                <a16:creationId xmlns:a16="http://schemas.microsoft.com/office/drawing/2014/main" id="{7F45F037-D813-2434-FEB0-37C957E9076C}"/>
+                <a16:creationId xmlns:a16="http://schemas.microsoft.com/office/drawing/2014/main" id="{C10D0764-670A-1734-A64D-46BCF1C2B65B}"/>
               </a:ext>
             </a:extLst>
           </p:cNvPr>
@@ -1169,7 +1169,7 @@
           <p:cNvPr id="6" name="灯片编号占位符 5">
             <a:extLst>
               <a:ext uri="{FF2B5EF4-FFF2-40B4-BE49-F238E27FC236}">
-                <a16:creationId xmlns:a16="http://schemas.microsoft.com/office/drawing/2014/main" id="{5208134D-B2D2-58B9-5EC4-3315A0401D04}"/>
+                <a16:creationId xmlns:a16="http://schemas.microsoft.com/office/drawing/2014/main" id="{39F06849-7280-7059-1929-F84B8798DCF2}"/>
               </a:ext>
             </a:extLst>
           </p:cNvPr>
@@ -1185,7 +1185,7 @@
           <a:bodyPr/>
           <a:lstStyle/>
           <a:p>
-            <a:fld id="{F48F876D-02E2-47A6-8A17-A9D422AA531A}" type="slidenum">
+            <a:fld id="{4BD46816-70D6-4E60-8C80-F5388CE7705E}" type="slidenum">
               <a:rPr lang="zh-CN" altLang="en-US" smtClean="0"/>
               <a:t>‹#›</a:t>
             </a:fld>
@@ -1196,7 +1196,7 @@
     </p:spTree>
     <p:extLst>
       <p:ext uri="{BB962C8B-B14F-4D97-AF65-F5344CB8AC3E}">
-        <p14:creationId xmlns:p14="http://schemas.microsoft.com/office/powerpoint/2010/main" val="1534987149"/>
+        <p14:creationId xmlns:p14="http://schemas.microsoft.com/office/powerpoint/2010/main" val="3145967520"/>
       </p:ext>
     </p:extLst>
   </p:cSld>
@@ -1228,7 +1228,7 @@
           <p:cNvPr id="2" name="标题 1">
             <a:extLst>
               <a:ext uri="{FF2B5EF4-FFF2-40B4-BE49-F238E27FC236}">
-                <a16:creationId xmlns:a16="http://schemas.microsoft.com/office/drawing/2014/main" id="{84806636-199E-9D2B-F923-FD00F997EC85}"/>
+                <a16:creationId xmlns:a16="http://schemas.microsoft.com/office/drawing/2014/main" id="{5F51D5EF-0B7B-36D8-9866-2AA465EF0FD2}"/>
               </a:ext>
             </a:extLst>
           </p:cNvPr>
@@ -1256,7 +1256,7 @@
           <p:cNvPr id="3" name="内容占位符 2">
             <a:extLst>
               <a:ext uri="{FF2B5EF4-FFF2-40B4-BE49-F238E27FC236}">
-                <a16:creationId xmlns:a16="http://schemas.microsoft.com/office/drawing/2014/main" id="{596CBA8E-B7F7-FFE8-0F49-4DD660C6F623}"/>
+                <a16:creationId xmlns:a16="http://schemas.microsoft.com/office/drawing/2014/main" id="{D71C88F2-217E-15E6-5681-06A5950568F6}"/>
               </a:ext>
             </a:extLst>
           </p:cNvPr>
@@ -1318,7 +1318,7 @@
           <p:cNvPr id="4" name="内容占位符 3">
             <a:extLst>
               <a:ext uri="{FF2B5EF4-FFF2-40B4-BE49-F238E27FC236}">
-                <a16:creationId xmlns:a16="http://schemas.microsoft.com/office/drawing/2014/main" id="{E54A59A5-9C54-A266-CBA4-96F21DE5E64E}"/>
+                <a16:creationId xmlns:a16="http://schemas.microsoft.com/office/drawing/2014/main" id="{64B72031-4A03-0BD6-EFE4-581E26CC0A7F}"/>
               </a:ext>
             </a:extLst>
           </p:cNvPr>
@@ -1380,7 +1380,7 @@
           <p:cNvPr id="5" name="日期占位符 4">
             <a:extLst>
               <a:ext uri="{FF2B5EF4-FFF2-40B4-BE49-F238E27FC236}">
-                <a16:creationId xmlns:a16="http://schemas.microsoft.com/office/drawing/2014/main" id="{78B31BAC-D225-7AAE-8666-0DA07CD00109}"/>
+                <a16:creationId xmlns:a16="http://schemas.microsoft.com/office/drawing/2014/main" id="{532C417B-59E0-DD36-4755-5C9A53CDC861}"/>
               </a:ext>
             </a:extLst>
           </p:cNvPr>
@@ -1396,7 +1396,7 @@
           <a:bodyPr/>
           <a:lstStyle/>
           <a:p>
-            <a:fld id="{1A0FBADB-A0FB-4184-8F66-6A2F836176B1}" type="datetimeFigureOut">
+            <a:fld id="{0EB006C2-F458-40FA-91AA-974952F55387}" type="datetimeFigureOut">
               <a:rPr lang="zh-CN" altLang="en-US" smtClean="0"/>
               <a:t>2024/3/10</a:t>
             </a:fld>
@@ -1409,7 +1409,7 @@
           <p:cNvPr id="6" name="页脚占位符 5">
             <a:extLst>
               <a:ext uri="{FF2B5EF4-FFF2-40B4-BE49-F238E27FC236}">
-                <a16:creationId xmlns:a16="http://schemas.microsoft.com/office/drawing/2014/main" id="{46D76ED7-3973-1FEE-A16D-DEB28D334AA6}"/>
+                <a16:creationId xmlns:a16="http://schemas.microsoft.com/office/drawing/2014/main" id="{9DBAEC84-87C8-1979-DE40-FA65310557E1}"/>
               </a:ext>
             </a:extLst>
           </p:cNvPr>
@@ -1434,7 +1434,7 @@
           <p:cNvPr id="7" name="灯片编号占位符 6">
             <a:extLst>
               <a:ext uri="{FF2B5EF4-FFF2-40B4-BE49-F238E27FC236}">
-                <a16:creationId xmlns:a16="http://schemas.microsoft.com/office/drawing/2014/main" id="{D47A4F26-0E35-635B-D3C1-E0EC3E690284}"/>
+                <a16:creationId xmlns:a16="http://schemas.microsoft.com/office/drawing/2014/main" id="{F35B6B3F-5188-6B56-701A-1306648E59B2}"/>
               </a:ext>
             </a:extLst>
           </p:cNvPr>
@@ -1450,7 +1450,7 @@
           <a:bodyPr/>
           <a:lstStyle/>
           <a:p>
-            <a:fld id="{F48F876D-02E2-47A6-8A17-A9D422AA531A}" type="slidenum">
+            <a:fld id="{4BD46816-70D6-4E60-8C80-F5388CE7705E}" type="slidenum">
               <a:rPr lang="zh-CN" altLang="en-US" smtClean="0"/>
               <a:t>‹#›</a:t>
             </a:fld>
@@ -1461,7 +1461,7 @@
     </p:spTree>
     <p:extLst>
       <p:ext uri="{BB962C8B-B14F-4D97-AF65-F5344CB8AC3E}">
-        <p14:creationId xmlns:p14="http://schemas.microsoft.com/office/powerpoint/2010/main" val="2570976243"/>
+        <p14:creationId xmlns:p14="http://schemas.microsoft.com/office/powerpoint/2010/main" val="19261986"/>
       </p:ext>
     </p:extLst>
   </p:cSld>
@@ -1493,7 +1493,7 @@
           <p:cNvPr id="2" name="标题 1">
             <a:extLst>
               <a:ext uri="{FF2B5EF4-FFF2-40B4-BE49-F238E27FC236}">
-                <a16:creationId xmlns:a16="http://schemas.microsoft.com/office/drawing/2014/main" id="{ED1FBDC4-85BB-440A-2E99-47E43F329F15}"/>
+                <a16:creationId xmlns:a16="http://schemas.microsoft.com/office/drawing/2014/main" id="{E5E4A13B-59CB-C048-5AAA-B4F747700D0A}"/>
               </a:ext>
             </a:extLst>
           </p:cNvPr>
@@ -1526,7 +1526,7 @@
           <p:cNvPr id="3" name="文本占位符 2">
             <a:extLst>
               <a:ext uri="{FF2B5EF4-FFF2-40B4-BE49-F238E27FC236}">
-                <a16:creationId xmlns:a16="http://schemas.microsoft.com/office/drawing/2014/main" id="{773DD2E6-F5CF-B96F-78F2-5304C2E943D4}"/>
+                <a16:creationId xmlns:a16="http://schemas.microsoft.com/office/drawing/2014/main" id="{DAE30800-8166-842B-AA51-34A717EE6DA9}"/>
               </a:ext>
             </a:extLst>
           </p:cNvPr>
@@ -1597,7 +1597,7 @@
           <p:cNvPr id="4" name="内容占位符 3">
             <a:extLst>
               <a:ext uri="{FF2B5EF4-FFF2-40B4-BE49-F238E27FC236}">
-                <a16:creationId xmlns:a16="http://schemas.microsoft.com/office/drawing/2014/main" id="{C6D8CDDE-A33E-7054-040C-6F8982064E5D}"/>
+                <a16:creationId xmlns:a16="http://schemas.microsoft.com/office/drawing/2014/main" id="{35A1A12C-5131-7E18-FE6C-340A7A5E128D}"/>
               </a:ext>
             </a:extLst>
           </p:cNvPr>
@@ -1659,7 +1659,7 @@
           <p:cNvPr id="5" name="文本占位符 4">
             <a:extLst>
               <a:ext uri="{FF2B5EF4-FFF2-40B4-BE49-F238E27FC236}">
-                <a16:creationId xmlns:a16="http://schemas.microsoft.com/office/drawing/2014/main" id="{C7B39A93-2EFE-156E-8906-C37E80FA77A6}"/>
+                <a16:creationId xmlns:a16="http://schemas.microsoft.com/office/drawing/2014/main" id="{6ACD099E-29C5-4B96-20E1-2B8131B4AC6C}"/>
               </a:ext>
             </a:extLst>
           </p:cNvPr>
@@ -1730,7 +1730,7 @@
           <p:cNvPr id="6" name="内容占位符 5">
             <a:extLst>
               <a:ext uri="{FF2B5EF4-FFF2-40B4-BE49-F238E27FC236}">
-                <a16:creationId xmlns:a16="http://schemas.microsoft.com/office/drawing/2014/main" id="{ABD95C53-3589-4B2B-EA28-CF37D419E7EE}"/>
+                <a16:creationId xmlns:a16="http://schemas.microsoft.com/office/drawing/2014/main" id="{AE2D2DAC-8837-734B-32D4-77755771D2D8}"/>
               </a:ext>
             </a:extLst>
           </p:cNvPr>
@@ -1792,7 +1792,7 @@
           <p:cNvPr id="7" name="日期占位符 6">
             <a:extLst>
               <a:ext uri="{FF2B5EF4-FFF2-40B4-BE49-F238E27FC236}">
-                <a16:creationId xmlns:a16="http://schemas.microsoft.com/office/drawing/2014/main" id="{E9285784-357C-727E-BF5F-04E136EBEAB1}"/>
+                <a16:creationId xmlns:a16="http://schemas.microsoft.com/office/drawing/2014/main" id="{0E89B77D-A04C-1D73-9E31-61843B9BF842}"/>
               </a:ext>
             </a:extLst>
           </p:cNvPr>
@@ -1808,7 +1808,7 @@
           <a:bodyPr/>
           <a:lstStyle/>
           <a:p>
-            <a:fld id="{1A0FBADB-A0FB-4184-8F66-6A2F836176B1}" type="datetimeFigureOut">
+            <a:fld id="{0EB006C2-F458-40FA-91AA-974952F55387}" type="datetimeFigureOut">
               <a:rPr lang="zh-CN" altLang="en-US" smtClean="0"/>
               <a:t>2024/3/10</a:t>
             </a:fld>
@@ -1821,7 +1821,7 @@
           <p:cNvPr id="8" name="页脚占位符 7">
             <a:extLst>
               <a:ext uri="{FF2B5EF4-FFF2-40B4-BE49-F238E27FC236}">
-                <a16:creationId xmlns:a16="http://schemas.microsoft.com/office/drawing/2014/main" id="{CA1C4531-DE5D-18D6-9E42-83451CA13EBF}"/>
+                <a16:creationId xmlns:a16="http://schemas.microsoft.com/office/drawing/2014/main" id="{5F18EA6B-6C7B-99DB-DFF2-92A9F04EE1D6}"/>
               </a:ext>
             </a:extLst>
           </p:cNvPr>
@@ -1846,7 +1846,7 @@
           <p:cNvPr id="9" name="灯片编号占位符 8">
             <a:extLst>
               <a:ext uri="{FF2B5EF4-FFF2-40B4-BE49-F238E27FC236}">
-                <a16:creationId xmlns:a16="http://schemas.microsoft.com/office/drawing/2014/main" id="{8DB5070F-89ED-7028-05AE-FECB69662CEB}"/>
+                <a16:creationId xmlns:a16="http://schemas.microsoft.com/office/drawing/2014/main" id="{3820E50F-D162-AF18-927B-C68B1B4AC490}"/>
               </a:ext>
             </a:extLst>
           </p:cNvPr>
@@ -1862,7 +1862,7 @@
           <a:bodyPr/>
           <a:lstStyle/>
           <a:p>
-            <a:fld id="{F48F876D-02E2-47A6-8A17-A9D422AA531A}" type="slidenum">
+            <a:fld id="{4BD46816-70D6-4E60-8C80-F5388CE7705E}" type="slidenum">
               <a:rPr lang="zh-CN" altLang="en-US" smtClean="0"/>
               <a:t>‹#›</a:t>
             </a:fld>
@@ -1873,7 +1873,7 @@
     </p:spTree>
     <p:extLst>
       <p:ext uri="{BB962C8B-B14F-4D97-AF65-F5344CB8AC3E}">
-        <p14:creationId xmlns:p14="http://schemas.microsoft.com/office/powerpoint/2010/main" val="2511805622"/>
+        <p14:creationId xmlns:p14="http://schemas.microsoft.com/office/powerpoint/2010/main" val="2770666344"/>
       </p:ext>
     </p:extLst>
   </p:cSld>
@@ -1905,7 +1905,7 @@
           <p:cNvPr id="2" name="标题 1">
             <a:extLst>
               <a:ext uri="{FF2B5EF4-FFF2-40B4-BE49-F238E27FC236}">
-                <a16:creationId xmlns:a16="http://schemas.microsoft.com/office/drawing/2014/main" id="{D5DEA6C4-212B-1ACB-2861-C8D26D4E0F3B}"/>
+                <a16:creationId xmlns:a16="http://schemas.microsoft.com/office/drawing/2014/main" id="{DB24F3B2-9E96-8E28-74D4-39B3CC49EB8E}"/>
               </a:ext>
             </a:extLst>
           </p:cNvPr>
@@ -1933,7 +1933,7 @@
           <p:cNvPr id="3" name="日期占位符 2">
             <a:extLst>
               <a:ext uri="{FF2B5EF4-FFF2-40B4-BE49-F238E27FC236}">
-                <a16:creationId xmlns:a16="http://schemas.microsoft.com/office/drawing/2014/main" id="{A89D5492-5D44-8317-58FD-C9D0D32F92B3}"/>
+                <a16:creationId xmlns:a16="http://schemas.microsoft.com/office/drawing/2014/main" id="{FD9BC264-6716-FF94-2397-8650938E280F}"/>
               </a:ext>
             </a:extLst>
           </p:cNvPr>
@@ -1949,7 +1949,7 @@
           <a:bodyPr/>
           <a:lstStyle/>
           <a:p>
-            <a:fld id="{1A0FBADB-A0FB-4184-8F66-6A2F836176B1}" type="datetimeFigureOut">
+            <a:fld id="{0EB006C2-F458-40FA-91AA-974952F55387}" type="datetimeFigureOut">
               <a:rPr lang="zh-CN" altLang="en-US" smtClean="0"/>
               <a:t>2024/3/10</a:t>
             </a:fld>
@@ -1962,7 +1962,7 @@
           <p:cNvPr id="4" name="页脚占位符 3">
             <a:extLst>
               <a:ext uri="{FF2B5EF4-FFF2-40B4-BE49-F238E27FC236}">
-                <a16:creationId xmlns:a16="http://schemas.microsoft.com/office/drawing/2014/main" id="{53151D97-6360-0656-5C99-66F67AD3B3FA}"/>
+                <a16:creationId xmlns:a16="http://schemas.microsoft.com/office/drawing/2014/main" id="{0596EDEA-3DD8-2D57-304A-1858A08FE701}"/>
               </a:ext>
             </a:extLst>
           </p:cNvPr>
@@ -1987,7 +1987,7 @@
           <p:cNvPr id="5" name="灯片编号占位符 4">
             <a:extLst>
               <a:ext uri="{FF2B5EF4-FFF2-40B4-BE49-F238E27FC236}">
-                <a16:creationId xmlns:a16="http://schemas.microsoft.com/office/drawing/2014/main" id="{B7A713DD-78A3-A6F4-094A-FDB6D9797469}"/>
+                <a16:creationId xmlns:a16="http://schemas.microsoft.com/office/drawing/2014/main" id="{4DF624EE-B60D-77BF-5C62-272D55CFE009}"/>
               </a:ext>
             </a:extLst>
           </p:cNvPr>
@@ -2003,7 +2003,7 @@
           <a:bodyPr/>
           <a:lstStyle/>
           <a:p>
-            <a:fld id="{F48F876D-02E2-47A6-8A17-A9D422AA531A}" type="slidenum">
+            <a:fld id="{4BD46816-70D6-4E60-8C80-F5388CE7705E}" type="slidenum">
               <a:rPr lang="zh-CN" altLang="en-US" smtClean="0"/>
               <a:t>‹#›</a:t>
             </a:fld>
@@ -2014,7 +2014,7 @@
     </p:spTree>
     <p:extLst>
       <p:ext uri="{BB962C8B-B14F-4D97-AF65-F5344CB8AC3E}">
-        <p14:creationId xmlns:p14="http://schemas.microsoft.com/office/powerpoint/2010/main" val="1838081575"/>
+        <p14:creationId xmlns:p14="http://schemas.microsoft.com/office/powerpoint/2010/main" val="2797124598"/>
       </p:ext>
     </p:extLst>
   </p:cSld>
@@ -2046,7 +2046,7 @@
           <p:cNvPr id="2" name="日期占位符 1">
             <a:extLst>
               <a:ext uri="{FF2B5EF4-FFF2-40B4-BE49-F238E27FC236}">
-                <a16:creationId xmlns:a16="http://schemas.microsoft.com/office/drawing/2014/main" id="{11863EAD-062C-4BE2-7EB9-E1EF221FD9E3}"/>
+                <a16:creationId xmlns:a16="http://schemas.microsoft.com/office/drawing/2014/main" id="{856D36E4-13CF-E829-C5B8-B557DA2BC1E4}"/>
               </a:ext>
             </a:extLst>
           </p:cNvPr>
@@ -2062,7 +2062,7 @@
           <a:bodyPr/>
           <a:lstStyle/>
           <a:p>
-            <a:fld id="{1A0FBADB-A0FB-4184-8F66-6A2F836176B1}" type="datetimeFigureOut">
+            <a:fld id="{0EB006C2-F458-40FA-91AA-974952F55387}" type="datetimeFigureOut">
               <a:rPr lang="zh-CN" altLang="en-US" smtClean="0"/>
               <a:t>2024/3/10</a:t>
             </a:fld>
@@ -2075,7 +2075,7 @@
           <p:cNvPr id="3" name="页脚占位符 2">
             <a:extLst>
               <a:ext uri="{FF2B5EF4-FFF2-40B4-BE49-F238E27FC236}">
-                <a16:creationId xmlns:a16="http://schemas.microsoft.com/office/drawing/2014/main" id="{C0F25B4B-571D-82C3-C2C9-2C164474C6F7}"/>
+                <a16:creationId xmlns:a16="http://schemas.microsoft.com/office/drawing/2014/main" id="{E9B1DECD-4134-477F-A130-77AC53969CDC}"/>
               </a:ext>
             </a:extLst>
           </p:cNvPr>
@@ -2100,7 +2100,7 @@
           <p:cNvPr id="4" name="灯片编号占位符 3">
             <a:extLst>
               <a:ext uri="{FF2B5EF4-FFF2-40B4-BE49-F238E27FC236}">
-                <a16:creationId xmlns:a16="http://schemas.microsoft.com/office/drawing/2014/main" id="{196DAE6B-B508-8551-2214-DBC128E1E6DD}"/>
+                <a16:creationId xmlns:a16="http://schemas.microsoft.com/office/drawing/2014/main" id="{287252E7-3496-49C7-1516-29282B185D7D}"/>
               </a:ext>
             </a:extLst>
           </p:cNvPr>
@@ -2116,7 +2116,7 @@
           <a:bodyPr/>
           <a:lstStyle/>
           <a:p>
-            <a:fld id="{F48F876D-02E2-47A6-8A17-A9D422AA531A}" type="slidenum">
+            <a:fld id="{4BD46816-70D6-4E60-8C80-F5388CE7705E}" type="slidenum">
               <a:rPr lang="zh-CN" altLang="en-US" smtClean="0"/>
               <a:t>‹#›</a:t>
             </a:fld>
@@ -2127,7 +2127,7 @@
     </p:spTree>
     <p:extLst>
       <p:ext uri="{BB962C8B-B14F-4D97-AF65-F5344CB8AC3E}">
-        <p14:creationId xmlns:p14="http://schemas.microsoft.com/office/powerpoint/2010/main" val="3074003785"/>
+        <p14:creationId xmlns:p14="http://schemas.microsoft.com/office/powerpoint/2010/main" val="4233277118"/>
       </p:ext>
     </p:extLst>
   </p:cSld>
@@ -2159,7 +2159,7 @@
           <p:cNvPr id="2" name="标题 1">
             <a:extLst>
               <a:ext uri="{FF2B5EF4-FFF2-40B4-BE49-F238E27FC236}">
-                <a16:creationId xmlns:a16="http://schemas.microsoft.com/office/drawing/2014/main" id="{643F527F-C985-9214-99BA-97135A4A90D1}"/>
+                <a16:creationId xmlns:a16="http://schemas.microsoft.com/office/drawing/2014/main" id="{5AAFB13A-AD1C-BEF0-E47F-15EEAE942DD9}"/>
               </a:ext>
             </a:extLst>
           </p:cNvPr>
@@ -2196,7 +2196,7 @@
           <p:cNvPr id="3" name="内容占位符 2">
             <a:extLst>
               <a:ext uri="{FF2B5EF4-FFF2-40B4-BE49-F238E27FC236}">
-                <a16:creationId xmlns:a16="http://schemas.microsoft.com/office/drawing/2014/main" id="{156B2D05-950A-6E53-8989-0824D40A7C1B}"/>
+                <a16:creationId xmlns:a16="http://schemas.microsoft.com/office/drawing/2014/main" id="{5F2B3667-30BE-A506-F406-A8F6613F452E}"/>
               </a:ext>
             </a:extLst>
           </p:cNvPr>
@@ -2286,7 +2286,7 @@
           <p:cNvPr id="4" name="文本占位符 3">
             <a:extLst>
               <a:ext uri="{FF2B5EF4-FFF2-40B4-BE49-F238E27FC236}">
-                <a16:creationId xmlns:a16="http://schemas.microsoft.com/office/drawing/2014/main" id="{8CF1861A-8D34-B114-FD84-CA2FEC6FA507}"/>
+                <a16:creationId xmlns:a16="http://schemas.microsoft.com/office/drawing/2014/main" id="{1B2FCA16-8690-C9A6-F2D1-6B7E09E599E4}"/>
               </a:ext>
             </a:extLst>
           </p:cNvPr>
@@ -2357,7 +2357,7 @@
           <p:cNvPr id="5" name="日期占位符 4">
             <a:extLst>
               <a:ext uri="{FF2B5EF4-FFF2-40B4-BE49-F238E27FC236}">
-                <a16:creationId xmlns:a16="http://schemas.microsoft.com/office/drawing/2014/main" id="{638363AB-9FD3-AE88-93EC-AB7E926DE315}"/>
+                <a16:creationId xmlns:a16="http://schemas.microsoft.com/office/drawing/2014/main" id="{94468399-FC46-5C13-E9E1-97883AE178AD}"/>
               </a:ext>
             </a:extLst>
           </p:cNvPr>
@@ -2373,7 +2373,7 @@
           <a:bodyPr/>
           <a:lstStyle/>
           <a:p>
-            <a:fld id="{1A0FBADB-A0FB-4184-8F66-6A2F836176B1}" type="datetimeFigureOut">
+            <a:fld id="{0EB006C2-F458-40FA-91AA-974952F55387}" type="datetimeFigureOut">
               <a:rPr lang="zh-CN" altLang="en-US" smtClean="0"/>
               <a:t>2024/3/10</a:t>
             </a:fld>
@@ -2386,7 +2386,7 @@
           <p:cNvPr id="6" name="页脚占位符 5">
             <a:extLst>
               <a:ext uri="{FF2B5EF4-FFF2-40B4-BE49-F238E27FC236}">
-                <a16:creationId xmlns:a16="http://schemas.microsoft.com/office/drawing/2014/main" id="{98D84246-FA28-2B97-8067-11F61DA20202}"/>
+                <a16:creationId xmlns:a16="http://schemas.microsoft.com/office/drawing/2014/main" id="{7CB4B948-883D-C644-A461-A37F594A6259}"/>
               </a:ext>
             </a:extLst>
           </p:cNvPr>
@@ -2411,7 +2411,7 @@
           <p:cNvPr id="7" name="灯片编号占位符 6">
             <a:extLst>
               <a:ext uri="{FF2B5EF4-FFF2-40B4-BE49-F238E27FC236}">
-                <a16:creationId xmlns:a16="http://schemas.microsoft.com/office/drawing/2014/main" id="{47D5E92A-02D8-D2AD-2AF0-391384DF5627}"/>
+                <a16:creationId xmlns:a16="http://schemas.microsoft.com/office/drawing/2014/main" id="{C29AF39D-3B8F-A5BC-7D5D-5E1DF5E1E284}"/>
               </a:ext>
             </a:extLst>
           </p:cNvPr>
@@ -2427,7 +2427,7 @@
           <a:bodyPr/>
           <a:lstStyle/>
           <a:p>
-            <a:fld id="{F48F876D-02E2-47A6-8A17-A9D422AA531A}" type="slidenum">
+            <a:fld id="{4BD46816-70D6-4E60-8C80-F5388CE7705E}" type="slidenum">
               <a:rPr lang="zh-CN" altLang="en-US" smtClean="0"/>
               <a:t>‹#›</a:t>
             </a:fld>
@@ -2438,7 +2438,7 @@
     </p:spTree>
     <p:extLst>
       <p:ext uri="{BB962C8B-B14F-4D97-AF65-F5344CB8AC3E}">
-        <p14:creationId xmlns:p14="http://schemas.microsoft.com/office/powerpoint/2010/main" val="1800117112"/>
+        <p14:creationId xmlns:p14="http://schemas.microsoft.com/office/powerpoint/2010/main" val="840469302"/>
       </p:ext>
     </p:extLst>
   </p:cSld>
@@ -2470,7 +2470,7 @@
           <p:cNvPr id="2" name="标题 1">
             <a:extLst>
               <a:ext uri="{FF2B5EF4-FFF2-40B4-BE49-F238E27FC236}">
-                <a16:creationId xmlns:a16="http://schemas.microsoft.com/office/drawing/2014/main" id="{CA0E1A1C-9671-A869-8266-02985E9AC5E7}"/>
+                <a16:creationId xmlns:a16="http://schemas.microsoft.com/office/drawing/2014/main" id="{8C1747D3-1D8E-A3E4-BAA7-AA93F29F5667}"/>
               </a:ext>
             </a:extLst>
           </p:cNvPr>
@@ -2507,7 +2507,7 @@
           <p:cNvPr id="3" name="图片占位符 2">
             <a:extLst>
               <a:ext uri="{FF2B5EF4-FFF2-40B4-BE49-F238E27FC236}">
-                <a16:creationId xmlns:a16="http://schemas.microsoft.com/office/drawing/2014/main" id="{CEFD8AA8-57C4-FCE7-7886-4D4D12CBE71A}"/>
+                <a16:creationId xmlns:a16="http://schemas.microsoft.com/office/drawing/2014/main" id="{6EEAC800-9DCA-5AAB-E8FB-E8334CF6F6D1}"/>
               </a:ext>
             </a:extLst>
           </p:cNvPr>
@@ -2574,7 +2574,7 @@
           <p:cNvPr id="4" name="文本占位符 3">
             <a:extLst>
               <a:ext uri="{FF2B5EF4-FFF2-40B4-BE49-F238E27FC236}">
-                <a16:creationId xmlns:a16="http://schemas.microsoft.com/office/drawing/2014/main" id="{09FA1BE2-6C87-8C83-6374-562F737EC449}"/>
+                <a16:creationId xmlns:a16="http://schemas.microsoft.com/office/drawing/2014/main" id="{1B09DD0E-1B7B-5851-BF72-930FC07194EA}"/>
               </a:ext>
             </a:extLst>
           </p:cNvPr>
@@ -2645,7 +2645,7 @@
           <p:cNvPr id="5" name="日期占位符 4">
             <a:extLst>
               <a:ext uri="{FF2B5EF4-FFF2-40B4-BE49-F238E27FC236}">
-                <a16:creationId xmlns:a16="http://schemas.microsoft.com/office/drawing/2014/main" id="{09048DC7-4AE3-0C36-FE51-50068D855C61}"/>
+                <a16:creationId xmlns:a16="http://schemas.microsoft.com/office/drawing/2014/main" id="{EF989DF0-6124-1281-F2DC-F4FAF5DED95F}"/>
               </a:ext>
             </a:extLst>
           </p:cNvPr>
@@ -2661,7 +2661,7 @@
           <a:bodyPr/>
           <a:lstStyle/>
           <a:p>
-            <a:fld id="{1A0FBADB-A0FB-4184-8F66-6A2F836176B1}" type="datetimeFigureOut">
+            <a:fld id="{0EB006C2-F458-40FA-91AA-974952F55387}" type="datetimeFigureOut">
               <a:rPr lang="zh-CN" altLang="en-US" smtClean="0"/>
               <a:t>2024/3/10</a:t>
             </a:fld>
@@ -2674,7 +2674,7 @@
           <p:cNvPr id="6" name="页脚占位符 5">
             <a:extLst>
               <a:ext uri="{FF2B5EF4-FFF2-40B4-BE49-F238E27FC236}">
-                <a16:creationId xmlns:a16="http://schemas.microsoft.com/office/drawing/2014/main" id="{A5B32CEA-356C-560E-B358-4FAF5F95FA4E}"/>
+                <a16:creationId xmlns:a16="http://schemas.microsoft.com/office/drawing/2014/main" id="{FAC518BE-7706-087C-3703-36011A10656E}"/>
               </a:ext>
             </a:extLst>
           </p:cNvPr>
@@ -2699,7 +2699,7 @@
           <p:cNvPr id="7" name="灯片编号占位符 6">
             <a:extLst>
               <a:ext uri="{FF2B5EF4-FFF2-40B4-BE49-F238E27FC236}">
-                <a16:creationId xmlns:a16="http://schemas.microsoft.com/office/drawing/2014/main" id="{F5278DEA-73A9-A1CE-A7DA-6555129D8D42}"/>
+                <a16:creationId xmlns:a16="http://schemas.microsoft.com/office/drawing/2014/main" id="{5F7FEB59-2B4B-6D5C-E312-35FCA465AB4D}"/>
               </a:ext>
             </a:extLst>
           </p:cNvPr>
@@ -2715,7 +2715,7 @@
           <a:bodyPr/>
           <a:lstStyle/>
           <a:p>
-            <a:fld id="{F48F876D-02E2-47A6-8A17-A9D422AA531A}" type="slidenum">
+            <a:fld id="{4BD46816-70D6-4E60-8C80-F5388CE7705E}" type="slidenum">
               <a:rPr lang="zh-CN" altLang="en-US" smtClean="0"/>
               <a:t>‹#›</a:t>
             </a:fld>
@@ -2726,7 +2726,7 @@
     </p:spTree>
     <p:extLst>
       <p:ext uri="{BB962C8B-B14F-4D97-AF65-F5344CB8AC3E}">
-        <p14:creationId xmlns:p14="http://schemas.microsoft.com/office/powerpoint/2010/main" val="1105259893"/>
+        <p14:creationId xmlns:p14="http://schemas.microsoft.com/office/powerpoint/2010/main" val="2447589639"/>
       </p:ext>
     </p:extLst>
   </p:cSld>
@@ -2763,7 +2763,7 @@
           <p:cNvPr id="2" name="标题占位符 1">
             <a:extLst>
               <a:ext uri="{FF2B5EF4-FFF2-40B4-BE49-F238E27FC236}">
-                <a16:creationId xmlns:a16="http://schemas.microsoft.com/office/drawing/2014/main" id="{EDEFEE98-174F-98DC-8925-FB927F580EC6}"/>
+                <a16:creationId xmlns:a16="http://schemas.microsoft.com/office/drawing/2014/main" id="{BF6CC419-07D1-8516-40AF-F6A09EE58DAD}"/>
               </a:ext>
             </a:extLst>
           </p:cNvPr>
@@ -2801,7 +2801,7 @@
           <p:cNvPr id="3" name="文本占位符 2">
             <a:extLst>
               <a:ext uri="{FF2B5EF4-FFF2-40B4-BE49-F238E27FC236}">
-                <a16:creationId xmlns:a16="http://schemas.microsoft.com/office/drawing/2014/main" id="{B430D4FF-06B2-4BE0-82F2-CF72C05AFB9D}"/>
+                <a16:creationId xmlns:a16="http://schemas.microsoft.com/office/drawing/2014/main" id="{4FF228FF-2BCD-3902-1690-50DAB79D2A3E}"/>
               </a:ext>
             </a:extLst>
           </p:cNvPr>
@@ -2868,7 +2868,7 @@
           <p:cNvPr id="4" name="日期占位符 3">
             <a:extLst>
               <a:ext uri="{FF2B5EF4-FFF2-40B4-BE49-F238E27FC236}">
-                <a16:creationId xmlns:a16="http://schemas.microsoft.com/office/drawing/2014/main" id="{427A0D97-927D-B9C4-D8B5-2926216B6284}"/>
+                <a16:creationId xmlns:a16="http://schemas.microsoft.com/office/drawing/2014/main" id="{5FCD8246-E0F4-DDA4-2C8C-04B8973898CC}"/>
               </a:ext>
             </a:extLst>
           </p:cNvPr>
@@ -2902,7 +2902,7 @@
             </a:lvl1pPr>
           </a:lstStyle>
           <a:p>
-            <a:fld id="{1A0FBADB-A0FB-4184-8F66-6A2F836176B1}" type="datetimeFigureOut">
+            <a:fld id="{0EB006C2-F458-40FA-91AA-974952F55387}" type="datetimeFigureOut">
               <a:rPr lang="zh-CN" altLang="en-US" smtClean="0"/>
               <a:t>2024/3/10</a:t>
             </a:fld>
@@ -2915,7 +2915,7 @@
           <p:cNvPr id="5" name="页脚占位符 4">
             <a:extLst>
               <a:ext uri="{FF2B5EF4-FFF2-40B4-BE49-F238E27FC236}">
-                <a16:creationId xmlns:a16="http://schemas.microsoft.com/office/drawing/2014/main" id="{D95415D3-4ECB-83D7-06FA-C58B5DA8E8E9}"/>
+                <a16:creationId xmlns:a16="http://schemas.microsoft.com/office/drawing/2014/main" id="{2AAF7CE6-C7E3-C81B-DD00-A699F2F13820}"/>
               </a:ext>
             </a:extLst>
           </p:cNvPr>
@@ -2958,7 +2958,7 @@
           <p:cNvPr id="6" name="灯片编号占位符 5">
             <a:extLst>
               <a:ext uri="{FF2B5EF4-FFF2-40B4-BE49-F238E27FC236}">
-                <a16:creationId xmlns:a16="http://schemas.microsoft.com/office/drawing/2014/main" id="{F1C39CD6-E506-5AC7-EB20-625AADA37A26}"/>
+                <a16:creationId xmlns:a16="http://schemas.microsoft.com/office/drawing/2014/main" id="{C8BBB5EE-D19A-FD52-8E2B-DD79B2454DED}"/>
               </a:ext>
             </a:extLst>
           </p:cNvPr>
@@ -2992,7 +2992,7 @@
             </a:lvl1pPr>
           </a:lstStyle>
           <a:p>
-            <a:fld id="{F48F876D-02E2-47A6-8A17-A9D422AA531A}" type="slidenum">
+            <a:fld id="{4BD46816-70D6-4E60-8C80-F5388CE7705E}" type="slidenum">
               <a:rPr lang="zh-CN" altLang="en-US" smtClean="0"/>
               <a:t>‹#›</a:t>
             </a:fld>
@@ -3003,7 +3003,7 @@
     </p:spTree>
     <p:extLst>
       <p:ext uri="{BB962C8B-B14F-4D97-AF65-F5344CB8AC3E}">
-        <p14:creationId xmlns:p14="http://schemas.microsoft.com/office/powerpoint/2010/main" val="2007241501"/>
+        <p14:creationId xmlns:p14="http://schemas.microsoft.com/office/powerpoint/2010/main" val="2024899517"/>
       </p:ext>
     </p:extLst>
   </p:cSld>
@@ -3323,7 +3323,7 @@
       </p:grpSpPr>
       <p:pic>
         <p:nvPicPr>
-          <p:cNvPr id="1594370" name="Picture 2" descr="1556"/>
+          <p:cNvPr id="1595394" name="Picture 2" descr="1557"/>
           <p:cNvPicPr>
             <a:picLocks noChangeAspect="1" noChangeArrowheads="1"/>
           </p:cNvPicPr>
@@ -3344,8 +3344,8 @@
         </p:blipFill>
         <p:spPr bwMode="auto">
           <a:xfrm>
-            <a:off x="1524001" y="0"/>
-            <a:ext cx="9053513" cy="6789738"/>
+            <a:off x="1524001" y="1"/>
+            <a:ext cx="9053513" cy="5661025"/>
           </a:xfrm>
           <a:prstGeom prst="rect">
             <a:avLst/>
